--- a/prez/Gulp Fiction -  Breizhcamp 2015.pptx
+++ b/prez/Gulp Fiction -  Breizhcamp 2015.pptx
@@ -5134,7 +5134,7 @@
         </p:nvSpPr>
         <p:spPr>
           <a:xfrm>
-            <a:off x="415050" y="3600250"/>
+            <a:off x="179512" y="3600250"/>
             <a:ext cx="8313900" cy="674999"/>
           </a:xfrm>
           <a:prstGeom prst="rect">
@@ -5154,7 +5154,7 @@
               <a:buNone/>
             </a:pPr>
             <a:r>
-              <a:rPr lang="en" sz="2900"/>
+              <a:rPr lang="en" sz="2900" dirty="0"/>
               <a:t> builder, tester, livrer… sans tomber dans les</a:t>
             </a:r>
           </a:p>
@@ -8963,7 +8963,7 @@
               <a:buChar char="●"/>
             </a:pPr>
             <a:r>
-              <a:rPr lang="en"/>
+              <a:rPr lang="en" dirty="0"/>
               <a:t>Une application full stack JavaScript</a:t>
             </a:r>
           </a:p>
@@ -8980,8 +8980,16 @@
               <a:buChar char="o"/>
             </a:pPr>
             <a:r>
-              <a:rPr lang="en"/>
-              <a:t>Notre App: la “tarantino-thèque” (mini-vidéotèque)</a:t>
+              <a:rPr lang="en" dirty="0"/>
+              <a:t>Notre App: la “tarantino-thèque” (</a:t>
+            </a:r>
+            <a:r>
+              <a:rPr lang="en" dirty="0" smtClean="0"/>
+              <a:t>mini-vidéothèque</a:t>
+            </a:r>
+            <a:r>
+              <a:rPr lang="en" dirty="0"/>
+              <a:t>)</a:t>
             </a:r>
           </a:p>
           <a:p>
@@ -8997,8 +9005,12 @@
               <a:buChar char="o"/>
             </a:pPr>
             <a:r>
-              <a:rPr lang="en"/>
-              <a:t>Contrainte spécifiques :</a:t>
+              <a:rPr lang="en" dirty="0" smtClean="0"/>
+              <a:t>Contraintes </a:t>
+            </a:r>
+            <a:r>
+              <a:rPr lang="en" dirty="0"/>
+              <a:t>spécifiques :</a:t>
             </a:r>
           </a:p>
           <a:p>
@@ -9014,7 +9026,7 @@
               <a:buChar char="§"/>
             </a:pPr>
             <a:r>
-              <a:rPr lang="en"/>
+              <a:rPr lang="en" dirty="0"/>
               <a:t>linter, combiner, minifier les fichiers JS, HTML, CSS, fonts, etc.</a:t>
             </a:r>
           </a:p>
@@ -9031,7 +9043,7 @@
               <a:buChar char="§"/>
             </a:pPr>
             <a:r>
-              <a:rPr lang="en"/>
+              <a:rPr lang="en" dirty="0"/>
               <a:t>compiler le sass, compresser les images/sprites</a:t>
             </a:r>
           </a:p>
@@ -9048,7 +9060,7 @@
               <a:buChar char="§"/>
             </a:pPr>
             <a:r>
-              <a:rPr lang="en"/>
+              <a:rPr lang="en" dirty="0"/>
               <a:t>déploiement continue sur IC et livraisons régulières</a:t>
             </a:r>
           </a:p>
@@ -9065,7 +9077,7 @@
               </a:spcAft>
               <a:buNone/>
             </a:pPr>
-            <a:endParaRPr/>
+            <a:endParaRPr dirty="0"/>
           </a:p>
         </p:txBody>
       </p:sp>
